--- a/AzureAndRedis.pptx
+++ b/AzureAndRedis.pptx
@@ -15450,8 +15450,24 @@
           <a:p>
             <a:pPr lvl="1"/>
             <a:r>
+              <a:rPr lang="en-US" dirty="0">
+                <a:hlinkClick r:id="rId5"/>
+              </a:rPr>
+              <a:t>https://www.linkedin/in/brianlgorman</a:t>
+            </a:r>
+            <a:endParaRPr lang="en-US" dirty="0"/>
+          </a:p>
+          <a:p>
+            <a:r>
               <a:rPr lang="en-US" dirty="0"/>
-              <a:t>https://www.linkedin/in/brianlgorman</a:t>
+              <a:t>Code:</a:t>
+            </a:r>
+          </a:p>
+          <a:p>
+            <a:pPr lvl="1"/>
+            <a:r>
+              <a:rPr lang="en-US" dirty="0"/>
+              <a:t>https://github.com/blgorman/UsingRedisWithAzure</a:t>
             </a:r>
           </a:p>
         </p:txBody>
